--- a/ppt/01 Women Speak Tech Indice.pptx
+++ b/ppt/01 Women Speak Tech Indice.pptx
@@ -910,7 +910,7 @@
           <a:p>
             <a:fld id="{8C436F92-944A-400C-95B8-93A540D23F8C}" type="datetimeFigureOut">
               <a:rPr lang="es-ES" smtClean="0"/>
-              <a:t>03/04/2019</a:t>
+              <a:t>04/04/2019</a:t>
             </a:fld>
             <a:endParaRPr lang="es-ES"/>
           </a:p>
@@ -1161,7 +1161,7 @@
           <a:p>
             <a:fld id="{8C436F92-944A-400C-95B8-93A540D23F8C}" type="datetimeFigureOut">
               <a:rPr lang="es-ES" smtClean="0"/>
-              <a:t>03/04/2019</a:t>
+              <a:t>04/04/2019</a:t>
             </a:fld>
             <a:endParaRPr lang="es-ES"/>
           </a:p>
@@ -1475,7 +1475,7 @@
           <a:p>
             <a:fld id="{8C436F92-944A-400C-95B8-93A540D23F8C}" type="datetimeFigureOut">
               <a:rPr lang="es-ES" smtClean="0"/>
-              <a:t>03/04/2019</a:t>
+              <a:t>04/04/2019</a:t>
             </a:fld>
             <a:endParaRPr lang="es-ES"/>
           </a:p>
@@ -1816,7 +1816,7 @@
           <a:p>
             <a:fld id="{8C436F92-944A-400C-95B8-93A540D23F8C}" type="datetimeFigureOut">
               <a:rPr lang="es-ES" smtClean="0"/>
-              <a:t>03/04/2019</a:t>
+              <a:t>04/04/2019</a:t>
             </a:fld>
             <a:endParaRPr lang="es-ES"/>
           </a:p>
@@ -2130,7 +2130,7 @@
           <a:p>
             <a:fld id="{8C436F92-944A-400C-95B8-93A540D23F8C}" type="datetimeFigureOut">
               <a:rPr lang="es-ES" smtClean="0"/>
-              <a:t>03/04/2019</a:t>
+              <a:t>04/04/2019</a:t>
             </a:fld>
             <a:endParaRPr lang="es-ES"/>
           </a:p>
@@ -2523,7 +2523,7 @@
           <a:p>
             <a:fld id="{8C436F92-944A-400C-95B8-93A540D23F8C}" type="datetimeFigureOut">
               <a:rPr lang="es-ES" smtClean="0"/>
-              <a:t>03/04/2019</a:t>
+              <a:t>04/04/2019</a:t>
             </a:fld>
             <a:endParaRPr lang="es-ES"/>
           </a:p>
@@ -2693,7 +2693,7 @@
           <a:p>
             <a:fld id="{8C436F92-944A-400C-95B8-93A540D23F8C}" type="datetimeFigureOut">
               <a:rPr lang="es-ES" smtClean="0"/>
-              <a:t>03/04/2019</a:t>
+              <a:t>04/04/2019</a:t>
             </a:fld>
             <a:endParaRPr lang="es-ES"/>
           </a:p>
@@ -2873,7 +2873,7 @@
           <a:p>
             <a:fld id="{8C436F92-944A-400C-95B8-93A540D23F8C}" type="datetimeFigureOut">
               <a:rPr lang="es-ES" smtClean="0"/>
-              <a:t>03/04/2019</a:t>
+              <a:t>04/04/2019</a:t>
             </a:fld>
             <a:endParaRPr lang="es-ES"/>
           </a:p>
@@ -3049,7 +3049,7 @@
           <a:p>
             <a:fld id="{8C436F92-944A-400C-95B8-93A540D23F8C}" type="datetimeFigureOut">
               <a:rPr lang="es-ES" smtClean="0"/>
-              <a:t>03/04/2019</a:t>
+              <a:t>04/04/2019</a:t>
             </a:fld>
             <a:endParaRPr lang="es-ES"/>
           </a:p>
@@ -3296,7 +3296,7 @@
           <a:p>
             <a:fld id="{8C436F92-944A-400C-95B8-93A540D23F8C}" type="datetimeFigureOut">
               <a:rPr lang="es-ES" smtClean="0"/>
-              <a:t>03/04/2019</a:t>
+              <a:t>04/04/2019</a:t>
             </a:fld>
             <a:endParaRPr lang="es-ES"/>
           </a:p>
@@ -3528,7 +3528,7 @@
           <a:p>
             <a:fld id="{8C436F92-944A-400C-95B8-93A540D23F8C}" type="datetimeFigureOut">
               <a:rPr lang="es-ES" smtClean="0"/>
-              <a:t>03/04/2019</a:t>
+              <a:t>04/04/2019</a:t>
             </a:fld>
             <a:endParaRPr lang="es-ES"/>
           </a:p>
@@ -3902,7 +3902,7 @@
           <a:p>
             <a:fld id="{8C436F92-944A-400C-95B8-93A540D23F8C}" type="datetimeFigureOut">
               <a:rPr lang="es-ES" smtClean="0"/>
-              <a:t>03/04/2019</a:t>
+              <a:t>04/04/2019</a:t>
             </a:fld>
             <a:endParaRPr lang="es-ES"/>
           </a:p>
@@ -4025,7 +4025,7 @@
           <a:p>
             <a:fld id="{8C436F92-944A-400C-95B8-93A540D23F8C}" type="datetimeFigureOut">
               <a:rPr lang="es-ES" smtClean="0"/>
-              <a:t>03/04/2019</a:t>
+              <a:t>04/04/2019</a:t>
             </a:fld>
             <a:endParaRPr lang="es-ES"/>
           </a:p>
@@ -4120,7 +4120,7 @@
           <a:p>
             <a:fld id="{8C436F92-944A-400C-95B8-93A540D23F8C}" type="datetimeFigureOut">
               <a:rPr lang="es-ES" smtClean="0"/>
-              <a:t>03/04/2019</a:t>
+              <a:t>04/04/2019</a:t>
             </a:fld>
             <a:endParaRPr lang="es-ES"/>
           </a:p>
@@ -4375,7 +4375,7 @@
           <a:p>
             <a:fld id="{8C436F92-944A-400C-95B8-93A540D23F8C}" type="datetimeFigureOut">
               <a:rPr lang="es-ES" smtClean="0"/>
-              <a:t>03/04/2019</a:t>
+              <a:t>04/04/2019</a:t>
             </a:fld>
             <a:endParaRPr lang="es-ES"/>
           </a:p>
@@ -4638,7 +4638,7 @@
           <a:p>
             <a:fld id="{8C436F92-944A-400C-95B8-93A540D23F8C}" type="datetimeFigureOut">
               <a:rPr lang="es-ES" smtClean="0"/>
-              <a:t>03/04/2019</a:t>
+              <a:t>04/04/2019</a:t>
             </a:fld>
             <a:endParaRPr lang="es-ES"/>
           </a:p>
@@ -5381,7 +5381,7 @@
           <a:p>
             <a:fld id="{8C436F92-944A-400C-95B8-93A540D23F8C}" type="datetimeFigureOut">
               <a:rPr lang="es-ES" smtClean="0"/>
-              <a:t>03/04/2019</a:t>
+              <a:t>04/04/2019</a:t>
             </a:fld>
             <a:endParaRPr lang="es-ES"/>
           </a:p>
@@ -5984,6 +5984,83 @@
           </a:p>
         </p:txBody>
       </p:sp>
+      <p:sp>
+        <p:nvSpPr>
+          <p:cNvPr id="4" name="Rectángulo 3">
+            <a:extLst>
+              <a:ext uri="{FF2B5EF4-FFF2-40B4-BE49-F238E27FC236}">
+                <a16:creationId xmlns:a16="http://schemas.microsoft.com/office/drawing/2014/main" id="{B5377F72-80C3-4621-8464-D9DD8D015307}"/>
+              </a:ext>
+            </a:extLst>
+          </p:cNvPr>
+          <p:cNvSpPr/>
+          <p:nvPr/>
+        </p:nvSpPr>
+        <p:spPr>
+          <a:xfrm>
+            <a:off x="0" y="0"/>
+            <a:ext cx="6096000" cy="1200329"/>
+          </a:xfrm>
+          <a:prstGeom prst="rect">
+            <a:avLst/>
+          </a:prstGeom>
+        </p:spPr>
+        <p:style>
+          <a:lnRef idx="2">
+            <a:schemeClr val="dk1"/>
+          </a:lnRef>
+          <a:fillRef idx="1">
+            <a:schemeClr val="lt1"/>
+          </a:fillRef>
+          <a:effectRef idx="0">
+            <a:schemeClr val="dk1"/>
+          </a:effectRef>
+          <a:fontRef idx="minor">
+            <a:schemeClr val="dk1"/>
+          </a:fontRef>
+        </p:style>
+        <p:txBody>
+          <a:bodyPr>
+            <a:spAutoFit/>
+          </a:bodyPr>
+          <a:lstStyle/>
+          <a:p>
+            <a:r>
+              <a:rPr lang="es-ES" sz="3600" dirty="0" err="1">
+                <a:solidFill>
+                  <a:srgbClr val="000000"/>
+                </a:solidFill>
+                <a:latin typeface="Consolas" panose="020B0609020204030204" pitchFamily="49" charset="0"/>
+              </a:rPr>
+              <a:t>Wifi:ItyIs.Euro</a:t>
+            </a:r>
+            <a:endParaRPr lang="es-ES" sz="3600" dirty="0">
+              <a:solidFill>
+                <a:srgbClr val="000000"/>
+              </a:solidFill>
+              <a:latin typeface="Consolas" panose="020B0609020204030204" pitchFamily="49" charset="0"/>
+            </a:endParaRPr>
+          </a:p>
+          <a:p>
+            <a:r>
+              <a:rPr lang="es-ES" sz="3600" dirty="0">
+                <a:solidFill>
+                  <a:srgbClr val="000000"/>
+                </a:solidFill>
+                <a:latin typeface="Consolas" panose="020B0609020204030204" pitchFamily="49" charset="0"/>
+              </a:rPr>
+              <a:t>Eu684reSi9357</a:t>
+            </a:r>
+            <a:endParaRPr lang="es-ES" sz="3600" b="0" dirty="0">
+              <a:solidFill>
+                <a:srgbClr val="000000"/>
+              </a:solidFill>
+              <a:effectLst/>
+              <a:latin typeface="Consolas" panose="020B0609020204030204" pitchFamily="49" charset="0"/>
+            </a:endParaRPr>
+          </a:p>
+        </p:txBody>
+      </p:sp>
     </p:spTree>
     <p:extLst>
       <p:ext uri="{BB962C8B-B14F-4D97-AF65-F5344CB8AC3E}">
@@ -6086,18 +6163,14 @@
           </a:p>
           <a:p>
             <a:r>
-              <a:rPr lang="es-ES" sz="3500"/>
+              <a:rPr lang="es-ES" sz="3500" dirty="0"/>
               <a:t>¿Cómo creamos un sistema de información?</a:t>
             </a:r>
           </a:p>
           <a:p>
             <a:r>
-              <a:rPr lang="es-ES" sz="3500"/>
-              <a:t>¿</a:t>
-            </a:r>
-            <a:r>
               <a:rPr lang="es-ES" sz="3500" dirty="0"/>
-              <a:t>Cómo son los programas?</a:t>
+              <a:t>¿Cómo son los programas?</a:t>
             </a:r>
           </a:p>
           <a:p>

--- a/ppt/01 Women Speak Tech Indice.pptx
+++ b/ppt/01 Women Speak Tech Indice.pptx
@@ -6032,7 +6032,7 @@
                 </a:solidFill>
                 <a:latin typeface="Consolas" panose="020B0609020204030204" pitchFamily="49" charset="0"/>
               </a:rPr>
-              <a:t>Wifi:ItyIs.Euro</a:t>
+              <a:t>Wifi:ItyIs_VIP</a:t>
             </a:r>
             <a:endParaRPr lang="es-ES" sz="3600" dirty="0">
               <a:solidFill>
@@ -6049,7 +6049,7 @@
                 </a:solidFill>
                 <a:latin typeface="Consolas" panose="020B0609020204030204" pitchFamily="49" charset="0"/>
               </a:rPr>
-              <a:t>Eu684reSi9357</a:t>
+              <a:t>VIP-Eu684reSi9357</a:t>
             </a:r>
             <a:endParaRPr lang="es-ES" sz="3600" b="0" dirty="0">
               <a:solidFill>
